--- a/NBA名人堂介紹網頁-說明文件.pptx
+++ b/NBA名人堂介紹網頁-說明文件.pptx
@@ -110,6 +110,11 @@
       </a:defRPr>
     </a:lvl9pPr>
   </p:defaultTextStyle>
+  <p:extLst>
+    <p:ext uri="{EFAFB233-063F-42B5-8137-9DF3F51BA10A}">
+      <p15:sldGuideLst xmlns:p15="http://schemas.microsoft.com/office/powerpoint/2012/main"/>
+    </p:ext>
+  </p:extLst>
 </p:presentation>
 </file>
 
@@ -11588,6 +11593,20 @@
               </a:rPr>
               <a:t>Preload</a:t>
             </a:r>
+            <a:r>
+              <a:rPr lang="zh-TW" altLang="en-US" b="1" dirty="0">
+                <a:latin typeface="微軟正黑體" panose="020B0604030504040204" pitchFamily="34" charset="-120"/>
+                <a:ea typeface="微軟正黑體" panose="020B0604030504040204" pitchFamily="34" charset="-120"/>
+              </a:rPr>
+              <a:t>，</a:t>
+            </a:r>
+            <a:r>
+              <a:rPr lang="en-US" altLang="zh-TW" b="1" dirty="0">
+                <a:latin typeface="微軟正黑體" panose="020B0604030504040204" pitchFamily="34" charset="-120"/>
+                <a:ea typeface="微軟正黑體" panose="020B0604030504040204" pitchFamily="34" charset="-120"/>
+              </a:rPr>
+              <a:t>Prefetch</a:t>
+            </a:r>
           </a:p>
           <a:p>
             <a:r>
@@ -12085,6 +12104,20 @@
                 <a:ea typeface="微軟正黑體" panose="020B0604030504040204" pitchFamily="34" charset="-120"/>
               </a:rPr>
               <a:t>preload</a:t>
+            </a:r>
+            <a:r>
+              <a:rPr lang="zh-TW" altLang="en-US" sz="2400" dirty="0">
+                <a:latin typeface="微軟正黑體" panose="020B0604030504040204" pitchFamily="34" charset="-120"/>
+                <a:ea typeface="微軟正黑體" panose="020B0604030504040204" pitchFamily="34" charset="-120"/>
+              </a:rPr>
+              <a:t>、</a:t>
+            </a:r>
+            <a:r>
+              <a:rPr lang="en-US" altLang="zh-TW" sz="2400" dirty="0">
+                <a:latin typeface="微軟正黑體" panose="020B0604030504040204" pitchFamily="34" charset="-120"/>
+                <a:ea typeface="微軟正黑體" panose="020B0604030504040204" pitchFamily="34" charset="-120"/>
+              </a:rPr>
+              <a:t>Prefetch</a:t>
             </a:r>
             <a:r>
               <a:rPr lang="zh-TW" altLang="en-US" sz="2400" dirty="0">
